--- a/阿里交流/状态更新传播的流式图计算系统设计与实现.pptx
+++ b/阿里交流/状态更新传播的流式图计算系统设计与实现.pptx
@@ -144,6 +144,11 @@
       </a:defRPr>
     </a:lvl9pPr>
   </p:defaultTextStyle>
+  <p:extLst>
+    <p:ext uri="{EFAFB233-063F-42B5-8137-9DF3F51BA10A}">
+      <p15:sldGuideLst xmlns:p15="http://schemas.microsoft.com/office/powerpoint/2012/main"/>
+    </p:ext>
+  </p:extLst>
 </p:presentation>
 </file>
 
@@ -191,7 +196,6 @@
           </a:p>
         </c:rich>
       </c:tx>
-      <c:layout/>
       <c:overlay val="0"/>
       <c:spPr>
         <a:noFill/>
@@ -490,11 +494,11 @@
         </c:dLbls>
         <c:gapWidth val="219"/>
         <c:overlap val="-27"/>
-        <c:axId val="-1227913632"/>
-        <c:axId val="-1227911456"/>
+        <c:axId val="1342763776"/>
+        <c:axId val="1342764320"/>
       </c:barChart>
       <c:catAx>
-        <c:axId val="-1227913632"/>
+        <c:axId val="1342763776"/>
         <c:scaling>
           <c:orientation val="minMax"/>
         </c:scaling>
@@ -537,7 +541,7 @@
             <a:endParaRPr lang="zh-CN"/>
           </a:p>
         </c:txPr>
-        <c:crossAx val="-1227911456"/>
+        <c:crossAx val="1342764320"/>
         <c:crosses val="autoZero"/>
         <c:auto val="1"/>
         <c:lblAlgn val="ctr"/>
@@ -545,7 +549,7 @@
         <c:noMultiLvlLbl val="0"/>
       </c:catAx>
       <c:valAx>
-        <c:axId val="-1227911456"/>
+        <c:axId val="1342764320"/>
         <c:scaling>
           <c:orientation val="minMax"/>
           <c:max val="1"/>
@@ -598,7 +602,7 @@
             <a:endParaRPr lang="zh-CN"/>
           </a:p>
         </c:txPr>
-        <c:crossAx val="-1227913632"/>
+        <c:crossAx val="1342763776"/>
         <c:crosses val="autoZero"/>
         <c:crossBetween val="between"/>
       </c:valAx>
@@ -612,7 +616,6 @@
     </c:plotArea>
     <c:legend>
       <c:legendPos val="b"/>
-      <c:layout/>
       <c:overlay val="0"/>
       <c:spPr>
         <a:noFill/>
@@ -670,6 +673,357 @@
 </file>
 
 <file path=ppt/charts/chart10.xml><?xml version="1.0" encoding="utf-8"?>
+<c:chartSpace xmlns:c="http://schemas.openxmlformats.org/drawingml/2006/chart" xmlns:a="http://schemas.openxmlformats.org/drawingml/2006/main" xmlns:r="http://schemas.openxmlformats.org/officeDocument/2006/relationships">
+  <c:date1904 val="0"/>
+  <c:lang val="zh-CN"/>
+  <c:roundedCorners val="0"/>
+  <mc:AlternateContent xmlns:mc="http://schemas.openxmlformats.org/markup-compatibility/2006">
+    <mc:Choice xmlns:c14="http://schemas.microsoft.com/office/drawing/2007/8/2/chart" Requires="c14">
+      <c14:style val="102"/>
+    </mc:Choice>
+    <mc:Fallback>
+      <c:style val="2"/>
+    </mc:Fallback>
+  </mc:AlternateContent>
+  <c:chart>
+    <c:title>
+      <c:tx>
+        <c:rich>
+          <a:bodyPr rot="0" spcFirstLastPara="1" vertOverflow="ellipsis" vert="horz" wrap="square" anchor="ctr" anchorCtr="1"/>
+          <a:lstStyle/>
+          <a:p>
+            <a:pPr>
+              <a:defRPr sz="1400" b="0" i="0" u="none" strike="noStrike" kern="1200" spc="0" baseline="0">
+                <a:solidFill>
+                  <a:schemeClr val="tx1">
+                    <a:lumMod val="65000"/>
+                    <a:lumOff val="35000"/>
+                  </a:schemeClr>
+                </a:solidFill>
+                <a:latin typeface="+mn-lt"/>
+                <a:ea typeface="+mn-ea"/>
+                <a:cs typeface="+mn-cs"/>
+              </a:defRPr>
+            </a:pPr>
+            <a:r>
+              <a:rPr lang="zh-CN" altLang="en-US"/>
+              <a:t>算法更新冲突概率</a:t>
+            </a:r>
+          </a:p>
+        </c:rich>
+      </c:tx>
+      <c:overlay val="0"/>
+      <c:spPr>
+        <a:noFill/>
+        <a:ln>
+          <a:noFill/>
+        </a:ln>
+        <a:effectLst/>
+      </c:spPr>
+      <c:txPr>
+        <a:bodyPr rot="0" spcFirstLastPara="1" vertOverflow="ellipsis" vert="horz" wrap="square" anchor="ctr" anchorCtr="1"/>
+        <a:lstStyle/>
+        <a:p>
+          <a:pPr>
+            <a:defRPr sz="1400" b="0" i="0" u="none" strike="noStrike" kern="1200" spc="0" baseline="0">
+              <a:solidFill>
+                <a:schemeClr val="tx1">
+                  <a:lumMod val="65000"/>
+                  <a:lumOff val="35000"/>
+                </a:schemeClr>
+              </a:solidFill>
+              <a:latin typeface="+mn-lt"/>
+              <a:ea typeface="+mn-ea"/>
+              <a:cs typeface="+mn-cs"/>
+            </a:defRPr>
+          </a:pPr>
+          <a:endParaRPr lang="zh-CN"/>
+        </a:p>
+      </c:txPr>
+    </c:title>
+    <c:autoTitleDeleted val="0"/>
+    <c:plotArea>
+      <c:layout/>
+      <c:barChart>
+        <c:barDir val="col"/>
+        <c:grouping val="clustered"/>
+        <c:varyColors val="0"/>
+        <c:ser>
+          <c:idx val="0"/>
+          <c:order val="0"/>
+          <c:spPr>
+            <a:solidFill>
+              <a:schemeClr val="accent1"/>
+            </a:solidFill>
+            <a:ln>
+              <a:noFill/>
+            </a:ln>
+            <a:effectLst/>
+          </c:spPr>
+          <c:invertIfNegative val="0"/>
+          <c:dLbls>
+            <c:spPr>
+              <a:noFill/>
+              <a:ln>
+                <a:noFill/>
+              </a:ln>
+              <a:effectLst/>
+            </c:spPr>
+            <c:txPr>
+              <a:bodyPr rot="0" spcFirstLastPara="1" vertOverflow="ellipsis" vert="horz" wrap="square" lIns="38100" tIns="19050" rIns="38100" bIns="19050" anchor="ctr" anchorCtr="1">
+                <a:spAutoFit/>
+              </a:bodyPr>
+              <a:lstStyle/>
+              <a:p>
+                <a:pPr>
+                  <a:defRPr sz="900" b="0" i="0" u="none" strike="noStrike" kern="1200" baseline="0">
+                    <a:solidFill>
+                      <a:schemeClr val="tx1">
+                        <a:lumMod val="75000"/>
+                        <a:lumOff val="25000"/>
+                      </a:schemeClr>
+                    </a:solidFill>
+                    <a:latin typeface="+mn-lt"/>
+                    <a:ea typeface="+mn-ea"/>
+                    <a:cs typeface="+mn-cs"/>
+                  </a:defRPr>
+                </a:pPr>
+                <a:endParaRPr lang="zh-CN"/>
+              </a:p>
+            </c:txPr>
+            <c:dLblPos val="outEnd"/>
+            <c:showLegendKey val="0"/>
+            <c:showVal val="1"/>
+            <c:showCatName val="0"/>
+            <c:showSerName val="0"/>
+            <c:showPercent val="0"/>
+            <c:showBubbleSize val="0"/>
+            <c:showLeaderLines val="0"/>
+            <c:extLst xmlns:c16r2="http://schemas.microsoft.com/office/drawing/2015/06/chart">
+              <c:ext xmlns:c15="http://schemas.microsoft.com/office/drawing/2012/chart" uri="{CE6537A1-D6FC-4f65-9D91-7224C49458BB}">
+                <c15:showLeaderLines val="1"/>
+                <c15:leaderLines>
+                  <c:spPr>
+                    <a:ln w="9525" cap="flat" cmpd="sng" algn="ctr">
+                      <a:solidFill>
+                        <a:schemeClr val="tx1">
+                          <a:lumMod val="35000"/>
+                          <a:lumOff val="65000"/>
+                        </a:schemeClr>
+                      </a:solidFill>
+                      <a:round/>
+                    </a:ln>
+                    <a:effectLst/>
+                  </c:spPr>
+                </c15:leaderLines>
+              </c:ext>
+            </c:extLst>
+          </c:dLbls>
+          <c:cat>
+            <c:strRef>
+              <c:f>Sheet1!$B$1:$E$1</c:f>
+              <c:strCache>
+                <c:ptCount val="4"/>
+                <c:pt idx="0">
+                  <c:v>dd</c:v>
+                </c:pt>
+                <c:pt idx="1">
+                  <c:v>tc</c:v>
+                </c:pt>
+                <c:pt idx="2">
+                  <c:v>sssp</c:v>
+                </c:pt>
+                <c:pt idx="3">
+                  <c:v>pr</c:v>
+                </c:pt>
+              </c:strCache>
+            </c:strRef>
+          </c:cat>
+          <c:val>
+            <c:numRef>
+              <c:f>Sheet1!$B$13:$E$13</c:f>
+              <c:numCache>
+                <c:formatCode>General</c:formatCode>
+                <c:ptCount val="4"/>
+                <c:pt idx="0">
+                  <c:v>7.1000000000000004E-3</c:v>
+                </c:pt>
+                <c:pt idx="1">
+                  <c:v>4.0000000000000002E-4</c:v>
+                </c:pt>
+                <c:pt idx="2">
+                  <c:v>5.0000000000000001E-4</c:v>
+                </c:pt>
+                <c:pt idx="3">
+                  <c:v>2.8799999999999999E-2</c:v>
+                </c:pt>
+              </c:numCache>
+            </c:numRef>
+          </c:val>
+          <c:extLst xmlns:c16r2="http://schemas.microsoft.com/office/drawing/2015/06/chart">
+            <c:ext xmlns:c16="http://schemas.microsoft.com/office/drawing/2014/chart" uri="{C3380CC4-5D6E-409C-BE32-E72D297353CC}">
+              <c16:uniqueId val="{00000000-64EC-4A2B-ABC9-077C43DF2E66}"/>
+            </c:ext>
+          </c:extLst>
+        </c:ser>
+        <c:dLbls>
+          <c:dLblPos val="outEnd"/>
+          <c:showLegendKey val="0"/>
+          <c:showVal val="1"/>
+          <c:showCatName val="0"/>
+          <c:showSerName val="0"/>
+          <c:showPercent val="0"/>
+          <c:showBubbleSize val="0"/>
+        </c:dLbls>
+        <c:gapWidth val="219"/>
+        <c:overlap val="-27"/>
+        <c:axId val="1409518448"/>
+        <c:axId val="1409520624"/>
+      </c:barChart>
+      <c:catAx>
+        <c:axId val="1409518448"/>
+        <c:scaling>
+          <c:orientation val="minMax"/>
+        </c:scaling>
+        <c:delete val="0"/>
+        <c:axPos val="b"/>
+        <c:numFmt formatCode="General" sourceLinked="1"/>
+        <c:majorTickMark val="none"/>
+        <c:minorTickMark val="none"/>
+        <c:tickLblPos val="nextTo"/>
+        <c:spPr>
+          <a:noFill/>
+          <a:ln w="9525" cap="flat" cmpd="sng" algn="ctr">
+            <a:solidFill>
+              <a:schemeClr val="tx1">
+                <a:lumMod val="15000"/>
+                <a:lumOff val="85000"/>
+              </a:schemeClr>
+            </a:solidFill>
+            <a:round/>
+          </a:ln>
+          <a:effectLst/>
+        </c:spPr>
+        <c:txPr>
+          <a:bodyPr rot="-60000000" spcFirstLastPara="1" vertOverflow="ellipsis" vert="horz" wrap="square" anchor="ctr" anchorCtr="1"/>
+          <a:lstStyle/>
+          <a:p>
+            <a:pPr>
+              <a:defRPr sz="900" b="0" i="0" u="none" strike="noStrike" kern="1200" baseline="0">
+                <a:solidFill>
+                  <a:schemeClr val="tx1">
+                    <a:lumMod val="65000"/>
+                    <a:lumOff val="35000"/>
+                  </a:schemeClr>
+                </a:solidFill>
+                <a:latin typeface="+mn-lt"/>
+                <a:ea typeface="+mn-ea"/>
+                <a:cs typeface="+mn-cs"/>
+              </a:defRPr>
+            </a:pPr>
+            <a:endParaRPr lang="zh-CN"/>
+          </a:p>
+        </c:txPr>
+        <c:crossAx val="1409520624"/>
+        <c:crosses val="autoZero"/>
+        <c:auto val="1"/>
+        <c:lblAlgn val="ctr"/>
+        <c:lblOffset val="100"/>
+        <c:noMultiLvlLbl val="0"/>
+      </c:catAx>
+      <c:valAx>
+        <c:axId val="1409520624"/>
+        <c:scaling>
+          <c:orientation val="minMax"/>
+          <c:max val="3.0000000000000006E-2"/>
+        </c:scaling>
+        <c:delete val="0"/>
+        <c:axPos val="l"/>
+        <c:majorGridlines>
+          <c:spPr>
+            <a:ln w="9525" cap="flat" cmpd="sng" algn="ctr">
+              <a:solidFill>
+                <a:schemeClr val="tx1">
+                  <a:lumMod val="15000"/>
+                  <a:lumOff val="85000"/>
+                </a:schemeClr>
+              </a:solidFill>
+              <a:round/>
+            </a:ln>
+            <a:effectLst/>
+          </c:spPr>
+        </c:majorGridlines>
+        <c:numFmt formatCode="General" sourceLinked="1"/>
+        <c:majorTickMark val="none"/>
+        <c:minorTickMark val="none"/>
+        <c:tickLblPos val="nextTo"/>
+        <c:spPr>
+          <a:noFill/>
+          <a:ln>
+            <a:noFill/>
+          </a:ln>
+          <a:effectLst/>
+        </c:spPr>
+        <c:txPr>
+          <a:bodyPr rot="-60000000" spcFirstLastPara="1" vertOverflow="ellipsis" vert="horz" wrap="square" anchor="ctr" anchorCtr="1"/>
+          <a:lstStyle/>
+          <a:p>
+            <a:pPr>
+              <a:defRPr sz="900" b="0" i="0" u="none" strike="noStrike" kern="1200" baseline="0">
+                <a:solidFill>
+                  <a:schemeClr val="tx1">
+                    <a:lumMod val="65000"/>
+                    <a:lumOff val="35000"/>
+                  </a:schemeClr>
+                </a:solidFill>
+                <a:latin typeface="+mn-lt"/>
+                <a:ea typeface="+mn-ea"/>
+                <a:cs typeface="+mn-cs"/>
+              </a:defRPr>
+            </a:pPr>
+            <a:endParaRPr lang="zh-CN"/>
+          </a:p>
+        </c:txPr>
+        <c:crossAx val="1409518448"/>
+        <c:crosses val="autoZero"/>
+        <c:crossBetween val="between"/>
+      </c:valAx>
+      <c:spPr>
+        <a:noFill/>
+        <a:ln>
+          <a:noFill/>
+        </a:ln>
+        <a:effectLst/>
+      </c:spPr>
+    </c:plotArea>
+    <c:plotVisOnly val="1"/>
+    <c:dispBlanksAs val="gap"/>
+    <c:showDLblsOverMax val="0"/>
+  </c:chart>
+  <c:spPr>
+    <a:noFill/>
+    <a:ln>
+      <a:noFill/>
+    </a:ln>
+    <a:effectLst/>
+  </c:spPr>
+  <c:txPr>
+    <a:bodyPr/>
+    <a:lstStyle/>
+    <a:p>
+      <a:pPr>
+        <a:defRPr/>
+      </a:pPr>
+      <a:endParaRPr lang="zh-CN"/>
+    </a:p>
+  </c:txPr>
+  <c:externalData r:id="rId3">
+    <c:autoUpdate val="0"/>
+  </c:externalData>
+</c:chartSpace>
+</file>
+
+<file path=ppt/charts/chart11.xml><?xml version="1.0" encoding="utf-8"?>
 <c:chartSpace xmlns:c="http://schemas.openxmlformats.org/drawingml/2006/chart" xmlns:a="http://schemas.openxmlformats.org/drawingml/2006/main" xmlns:r="http://schemas.openxmlformats.org/officeDocument/2006/relationships">
   <c:date1904 val="0"/>
   <c:lang val="zh-CN"/>
@@ -876,11 +1230,11 @@
         </c:dLbls>
         <c:gapWidth val="219"/>
         <c:overlap val="-27"/>
-        <c:axId val="-1340907648"/>
-        <c:axId val="-1340925600"/>
+        <c:axId val="1409513552"/>
+        <c:axId val="1409518992"/>
       </c:barChart>
       <c:catAx>
-        <c:axId val="-1340907648"/>
+        <c:axId val="1409513552"/>
         <c:scaling>
           <c:orientation val="minMax"/>
         </c:scaling>
@@ -923,7 +1277,7 @@
             <a:endParaRPr lang="zh-CN"/>
           </a:p>
         </c:txPr>
-        <c:crossAx val="-1340925600"/>
+        <c:crossAx val="1409518992"/>
         <c:crosses val="autoZero"/>
         <c:auto val="1"/>
         <c:lblAlgn val="ctr"/>
@@ -931,7 +1285,7 @@
         <c:noMultiLvlLbl val="0"/>
       </c:catAx>
       <c:valAx>
-        <c:axId val="-1340925600"/>
+        <c:axId val="1409518992"/>
         <c:scaling>
           <c:orientation val="minMax"/>
           <c:max val="3.0000000000000006E-2"/>
@@ -983,360 +1337,7 @@
             <a:endParaRPr lang="zh-CN"/>
           </a:p>
         </c:txPr>
-        <c:crossAx val="-1340907648"/>
-        <c:crosses val="autoZero"/>
-        <c:crossBetween val="between"/>
-      </c:valAx>
-      <c:spPr>
-        <a:noFill/>
-        <a:ln>
-          <a:noFill/>
-        </a:ln>
-        <a:effectLst/>
-      </c:spPr>
-    </c:plotArea>
-    <c:plotVisOnly val="1"/>
-    <c:dispBlanksAs val="gap"/>
-    <c:showDLblsOverMax val="0"/>
-  </c:chart>
-  <c:spPr>
-    <a:noFill/>
-    <a:ln>
-      <a:noFill/>
-    </a:ln>
-    <a:effectLst/>
-  </c:spPr>
-  <c:txPr>
-    <a:bodyPr/>
-    <a:lstStyle/>
-    <a:p>
-      <a:pPr>
-        <a:defRPr/>
-      </a:pPr>
-      <a:endParaRPr lang="zh-CN"/>
-    </a:p>
-  </c:txPr>
-  <c:externalData r:id="rId3">
-    <c:autoUpdate val="0"/>
-  </c:externalData>
-</c:chartSpace>
-</file>
-
-<file path=ppt/charts/chart11.xml><?xml version="1.0" encoding="utf-8"?>
-<c:chartSpace xmlns:c="http://schemas.openxmlformats.org/drawingml/2006/chart" xmlns:a="http://schemas.openxmlformats.org/drawingml/2006/main" xmlns:r="http://schemas.openxmlformats.org/officeDocument/2006/relationships">
-  <c:date1904 val="0"/>
-  <c:lang val="zh-CN"/>
-  <c:roundedCorners val="0"/>
-  <mc:AlternateContent xmlns:mc="http://schemas.openxmlformats.org/markup-compatibility/2006">
-    <mc:Choice xmlns:c14="http://schemas.microsoft.com/office/drawing/2007/8/2/chart" Requires="c14">
-      <c14:style val="102"/>
-    </mc:Choice>
-    <mc:Fallback>
-      <c:style val="2"/>
-    </mc:Fallback>
-  </mc:AlternateContent>
-  <c:chart>
-    <c:title>
-      <c:tx>
-        <c:rich>
-          <a:bodyPr rot="0" spcFirstLastPara="1" vertOverflow="ellipsis" vert="horz" wrap="square" anchor="ctr" anchorCtr="1"/>
-          <a:lstStyle/>
-          <a:p>
-            <a:pPr>
-              <a:defRPr sz="1400" b="0" i="0" u="none" strike="noStrike" kern="1200" spc="0" baseline="0">
-                <a:solidFill>
-                  <a:schemeClr val="tx1">
-                    <a:lumMod val="65000"/>
-                    <a:lumOff val="35000"/>
-                  </a:schemeClr>
-                </a:solidFill>
-                <a:latin typeface="+mn-lt"/>
-                <a:ea typeface="+mn-ea"/>
-                <a:cs typeface="+mn-cs"/>
-              </a:defRPr>
-            </a:pPr>
-            <a:r>
-              <a:rPr lang="zh-CN" altLang="en-US"/>
-              <a:t>算法更新冲突概率</a:t>
-            </a:r>
-          </a:p>
-        </c:rich>
-      </c:tx>
-      <c:layout/>
-      <c:overlay val="0"/>
-      <c:spPr>
-        <a:noFill/>
-        <a:ln>
-          <a:noFill/>
-        </a:ln>
-        <a:effectLst/>
-      </c:spPr>
-      <c:txPr>
-        <a:bodyPr rot="0" spcFirstLastPara="1" vertOverflow="ellipsis" vert="horz" wrap="square" anchor="ctr" anchorCtr="1"/>
-        <a:lstStyle/>
-        <a:p>
-          <a:pPr>
-            <a:defRPr sz="1400" b="0" i="0" u="none" strike="noStrike" kern="1200" spc="0" baseline="0">
-              <a:solidFill>
-                <a:schemeClr val="tx1">
-                  <a:lumMod val="65000"/>
-                  <a:lumOff val="35000"/>
-                </a:schemeClr>
-              </a:solidFill>
-              <a:latin typeface="+mn-lt"/>
-              <a:ea typeface="+mn-ea"/>
-              <a:cs typeface="+mn-cs"/>
-            </a:defRPr>
-          </a:pPr>
-          <a:endParaRPr lang="zh-CN"/>
-        </a:p>
-      </c:txPr>
-    </c:title>
-    <c:autoTitleDeleted val="0"/>
-    <c:plotArea>
-      <c:layout/>
-      <c:barChart>
-        <c:barDir val="col"/>
-        <c:grouping val="clustered"/>
-        <c:varyColors val="0"/>
-        <c:ser>
-          <c:idx val="0"/>
-          <c:order val="0"/>
-          <c:spPr>
-            <a:solidFill>
-              <a:schemeClr val="accent1"/>
-            </a:solidFill>
-            <a:ln>
-              <a:noFill/>
-            </a:ln>
-            <a:effectLst/>
-          </c:spPr>
-          <c:invertIfNegative val="0"/>
-          <c:dLbls>
-            <c:spPr>
-              <a:noFill/>
-              <a:ln>
-                <a:noFill/>
-              </a:ln>
-              <a:effectLst/>
-            </c:spPr>
-            <c:txPr>
-              <a:bodyPr rot="0" spcFirstLastPara="1" vertOverflow="ellipsis" vert="horz" wrap="square" lIns="38100" tIns="19050" rIns="38100" bIns="19050" anchor="ctr" anchorCtr="1">
-                <a:spAutoFit/>
-              </a:bodyPr>
-              <a:lstStyle/>
-              <a:p>
-                <a:pPr>
-                  <a:defRPr sz="900" b="0" i="0" u="none" strike="noStrike" kern="1200" baseline="0">
-                    <a:solidFill>
-                      <a:schemeClr val="tx1">
-                        <a:lumMod val="75000"/>
-                        <a:lumOff val="25000"/>
-                      </a:schemeClr>
-                    </a:solidFill>
-                    <a:latin typeface="+mn-lt"/>
-                    <a:ea typeface="+mn-ea"/>
-                    <a:cs typeface="+mn-cs"/>
-                  </a:defRPr>
-                </a:pPr>
-                <a:endParaRPr lang="zh-CN"/>
-              </a:p>
-            </c:txPr>
-            <c:dLblPos val="outEnd"/>
-            <c:showLegendKey val="0"/>
-            <c:showVal val="1"/>
-            <c:showCatName val="0"/>
-            <c:showSerName val="0"/>
-            <c:showPercent val="0"/>
-            <c:showBubbleSize val="0"/>
-            <c:showLeaderLines val="0"/>
-            <c:extLst xmlns:c16r2="http://schemas.microsoft.com/office/drawing/2015/06/chart">
-              <c:ext xmlns:c15="http://schemas.microsoft.com/office/drawing/2012/chart" uri="{CE6537A1-D6FC-4f65-9D91-7224C49458BB}">
-                <c15:layout/>
-                <c15:showLeaderLines val="1"/>
-                <c15:leaderLines>
-                  <c:spPr>
-                    <a:ln w="9525" cap="flat" cmpd="sng" algn="ctr">
-                      <a:solidFill>
-                        <a:schemeClr val="tx1">
-                          <a:lumMod val="35000"/>
-                          <a:lumOff val="65000"/>
-                        </a:schemeClr>
-                      </a:solidFill>
-                      <a:round/>
-                    </a:ln>
-                    <a:effectLst/>
-                  </c:spPr>
-                </c15:leaderLines>
-              </c:ext>
-            </c:extLst>
-          </c:dLbls>
-          <c:cat>
-            <c:strRef>
-              <c:f>Sheet1!$B$1:$E$1</c:f>
-              <c:strCache>
-                <c:ptCount val="4"/>
-                <c:pt idx="0">
-                  <c:v>dd</c:v>
-                </c:pt>
-                <c:pt idx="1">
-                  <c:v>tc</c:v>
-                </c:pt>
-                <c:pt idx="2">
-                  <c:v>sssp</c:v>
-                </c:pt>
-                <c:pt idx="3">
-                  <c:v>pr</c:v>
-                </c:pt>
-              </c:strCache>
-            </c:strRef>
-          </c:cat>
-          <c:val>
-            <c:numRef>
-              <c:f>Sheet1!$B$13:$E$13</c:f>
-              <c:numCache>
-                <c:formatCode>General</c:formatCode>
-                <c:ptCount val="4"/>
-                <c:pt idx="0">
-                  <c:v>7.1000000000000004E-3</c:v>
-                </c:pt>
-                <c:pt idx="1">
-                  <c:v>4.0000000000000002E-4</c:v>
-                </c:pt>
-                <c:pt idx="2">
-                  <c:v>5.0000000000000001E-4</c:v>
-                </c:pt>
-                <c:pt idx="3">
-                  <c:v>2.8799999999999999E-2</c:v>
-                </c:pt>
-              </c:numCache>
-            </c:numRef>
-          </c:val>
-          <c:extLst xmlns:c16r2="http://schemas.microsoft.com/office/drawing/2015/06/chart">
-            <c:ext xmlns:c16="http://schemas.microsoft.com/office/drawing/2014/chart" uri="{C3380CC4-5D6E-409C-BE32-E72D297353CC}">
-              <c16:uniqueId val="{00000000-64EC-4A2B-ABC9-077C43DF2E66}"/>
-            </c:ext>
-          </c:extLst>
-        </c:ser>
-        <c:dLbls>
-          <c:dLblPos val="outEnd"/>
-          <c:showLegendKey val="0"/>
-          <c:showVal val="1"/>
-          <c:showCatName val="0"/>
-          <c:showSerName val="0"/>
-          <c:showPercent val="0"/>
-          <c:showBubbleSize val="0"/>
-        </c:dLbls>
-        <c:gapWidth val="219"/>
-        <c:overlap val="-27"/>
-        <c:axId val="-1340917984"/>
-        <c:axId val="-1340917440"/>
-      </c:barChart>
-      <c:catAx>
-        <c:axId val="-1340917984"/>
-        <c:scaling>
-          <c:orientation val="minMax"/>
-        </c:scaling>
-        <c:delete val="0"/>
-        <c:axPos val="b"/>
-        <c:numFmt formatCode="General" sourceLinked="1"/>
-        <c:majorTickMark val="none"/>
-        <c:minorTickMark val="none"/>
-        <c:tickLblPos val="nextTo"/>
-        <c:spPr>
-          <a:noFill/>
-          <a:ln w="9525" cap="flat" cmpd="sng" algn="ctr">
-            <a:solidFill>
-              <a:schemeClr val="tx1">
-                <a:lumMod val="15000"/>
-                <a:lumOff val="85000"/>
-              </a:schemeClr>
-            </a:solidFill>
-            <a:round/>
-          </a:ln>
-          <a:effectLst/>
-        </c:spPr>
-        <c:txPr>
-          <a:bodyPr rot="-60000000" spcFirstLastPara="1" vertOverflow="ellipsis" vert="horz" wrap="square" anchor="ctr" anchorCtr="1"/>
-          <a:lstStyle/>
-          <a:p>
-            <a:pPr>
-              <a:defRPr sz="900" b="0" i="0" u="none" strike="noStrike" kern="1200" baseline="0">
-                <a:solidFill>
-                  <a:schemeClr val="tx1">
-                    <a:lumMod val="65000"/>
-                    <a:lumOff val="35000"/>
-                  </a:schemeClr>
-                </a:solidFill>
-                <a:latin typeface="+mn-lt"/>
-                <a:ea typeface="+mn-ea"/>
-                <a:cs typeface="+mn-cs"/>
-              </a:defRPr>
-            </a:pPr>
-            <a:endParaRPr lang="zh-CN"/>
-          </a:p>
-        </c:txPr>
-        <c:crossAx val="-1340917440"/>
-        <c:crosses val="autoZero"/>
-        <c:auto val="1"/>
-        <c:lblAlgn val="ctr"/>
-        <c:lblOffset val="100"/>
-        <c:noMultiLvlLbl val="0"/>
-      </c:catAx>
-      <c:valAx>
-        <c:axId val="-1340917440"/>
-        <c:scaling>
-          <c:orientation val="minMax"/>
-          <c:max val="3.0000000000000006E-2"/>
-        </c:scaling>
-        <c:delete val="0"/>
-        <c:axPos val="l"/>
-        <c:majorGridlines>
-          <c:spPr>
-            <a:ln w="9525" cap="flat" cmpd="sng" algn="ctr">
-              <a:solidFill>
-                <a:schemeClr val="tx1">
-                  <a:lumMod val="15000"/>
-                  <a:lumOff val="85000"/>
-                </a:schemeClr>
-              </a:solidFill>
-              <a:round/>
-            </a:ln>
-            <a:effectLst/>
-          </c:spPr>
-        </c:majorGridlines>
-        <c:numFmt formatCode="General" sourceLinked="1"/>
-        <c:majorTickMark val="none"/>
-        <c:minorTickMark val="none"/>
-        <c:tickLblPos val="nextTo"/>
-        <c:spPr>
-          <a:noFill/>
-          <a:ln>
-            <a:noFill/>
-          </a:ln>
-          <a:effectLst/>
-        </c:spPr>
-        <c:txPr>
-          <a:bodyPr rot="-60000000" spcFirstLastPara="1" vertOverflow="ellipsis" vert="horz" wrap="square" anchor="ctr" anchorCtr="1"/>
-          <a:lstStyle/>
-          <a:p>
-            <a:pPr>
-              <a:defRPr sz="900" b="0" i="0" u="none" strike="noStrike" kern="1200" baseline="0">
-                <a:solidFill>
-                  <a:schemeClr val="tx1">
-                    <a:lumMod val="65000"/>
-                    <a:lumOff val="35000"/>
-                  </a:schemeClr>
-                </a:solidFill>
-                <a:latin typeface="+mn-lt"/>
-                <a:ea typeface="+mn-ea"/>
-                <a:cs typeface="+mn-cs"/>
-              </a:defRPr>
-            </a:pPr>
-            <a:endParaRPr lang="zh-CN"/>
-          </a:p>
-        </c:txPr>
-        <c:crossAx val="-1340917984"/>
+        <c:crossAx val="1409513552"/>
         <c:crosses val="autoZero"/>
         <c:crossBetween val="between"/>
       </c:valAx>
@@ -1715,11 +1716,11 @@
         </c:dLbls>
         <c:gapWidth val="219"/>
         <c:overlap val="-27"/>
-        <c:axId val="-1141126256"/>
-        <c:axId val="-1141114832"/>
+        <c:axId val="1409515728"/>
+        <c:axId val="1409517904"/>
       </c:barChart>
       <c:catAx>
-        <c:axId val="-1141126256"/>
+        <c:axId val="1409515728"/>
         <c:scaling>
           <c:orientation val="minMax"/>
         </c:scaling>
@@ -1762,7 +1763,7 @@
             <a:endParaRPr lang="zh-CN"/>
           </a:p>
         </c:txPr>
-        <c:crossAx val="-1141114832"/>
+        <c:crossAx val="1409517904"/>
         <c:crosses val="autoZero"/>
         <c:auto val="1"/>
         <c:lblAlgn val="ctr"/>
@@ -1770,7 +1771,7 @@
         <c:noMultiLvlLbl val="0"/>
       </c:catAx>
       <c:valAx>
-        <c:axId val="-1141114832"/>
+        <c:axId val="1409517904"/>
         <c:scaling>
           <c:orientation val="minMax"/>
           <c:max val="1"/>
@@ -1823,7 +1824,7 @@
             <a:endParaRPr lang="zh-CN"/>
           </a:p>
         </c:txPr>
-        <c:crossAx val="-1141126256"/>
+        <c:crossAx val="1409515728"/>
         <c:crosses val="autoZero"/>
         <c:crossBetween val="between"/>
       </c:valAx>
@@ -1946,7 +1947,6 @@
           </a:p>
         </c:rich>
       </c:tx>
-      <c:layout/>
       <c:overlay val="0"/>
       <c:spPr>
         <a:noFill/>
@@ -2142,8 +2142,8 @@
           <c:showBubbleSize val="0"/>
         </c:dLbls>
         <c:smooth val="0"/>
-        <c:axId val="-1227933760"/>
-        <c:axId val="-1227913088"/>
+        <c:axId val="1342755616"/>
+        <c:axId val="1342757248"/>
         <c:extLst xmlns:c16r2="http://schemas.microsoft.com/office/drawing/2015/06/chart">
           <c:ext xmlns:c15="http://schemas.microsoft.com/office/drawing/2012/chart" uri="{02D57815-91ED-43cb-92C2-25804820EDAC}">
             <c15:filteredLineSeries>
@@ -2309,7 +2309,7 @@
         </c:extLst>
       </c:lineChart>
       <c:catAx>
-        <c:axId val="-1227933760"/>
+        <c:axId val="1342755616"/>
         <c:scaling>
           <c:orientation val="minMax"/>
         </c:scaling>
@@ -2360,7 +2360,6 @@
               </a:p>
             </c:rich>
           </c:tx>
-          <c:layout/>
           <c:overlay val="0"/>
           <c:spPr>
             <a:noFill/>
@@ -2426,7 +2425,7 @@
             <a:endParaRPr lang="zh-CN"/>
           </a:p>
         </c:txPr>
-        <c:crossAx val="-1227913088"/>
+        <c:crossAx val="1342757248"/>
         <c:crosses val="autoZero"/>
         <c:auto val="1"/>
         <c:lblAlgn val="ctr"/>
@@ -2434,7 +2433,7 @@
         <c:noMultiLvlLbl val="0"/>
       </c:catAx>
       <c:valAx>
-        <c:axId val="-1227913088"/>
+        <c:axId val="1342757248"/>
         <c:scaling>
           <c:orientation val="minMax"/>
           <c:max val="1"/>
@@ -2481,7 +2480,6 @@
               </a:p>
             </c:rich>
           </c:tx>
-          <c:layout/>
           <c:overlay val="0"/>
           <c:spPr>
             <a:noFill/>
@@ -2542,7 +2540,7 @@
             <a:endParaRPr lang="zh-CN"/>
           </a:p>
         </c:txPr>
-        <c:crossAx val="-1227933760"/>
+        <c:crossAx val="1342755616"/>
         <c:crosses val="autoZero"/>
         <c:crossBetween val="between"/>
       </c:valAx>
@@ -2633,7 +2631,6 @@
           </a:p>
         </c:rich>
       </c:tx>
-      <c:layout/>
       <c:overlay val="0"/>
       <c:spPr>
         <a:noFill/>
@@ -2751,8 +2748,8 @@
           <c:showBubbleSize val="0"/>
         </c:dLbls>
         <c:smooth val="0"/>
-        <c:axId val="-1227926144"/>
-        <c:axId val="-1227920704"/>
+        <c:axId val="1342767584"/>
+        <c:axId val="1342759424"/>
         <c:extLst xmlns:c16r2="http://schemas.microsoft.com/office/drawing/2015/06/chart">
           <c:ext xmlns:c15="http://schemas.microsoft.com/office/drawing/2012/chart" uri="{02D57815-91ED-43cb-92C2-25804820EDAC}">
             <c15:filteredLineSeries>
@@ -2840,7 +2837,7 @@
         </c:extLst>
       </c:lineChart>
       <c:catAx>
-        <c:axId val="-1227926144"/>
+        <c:axId val="1342767584"/>
         <c:scaling>
           <c:orientation val="minMax"/>
         </c:scaling>
@@ -2891,7 +2888,6 @@
               </a:p>
             </c:rich>
           </c:tx>
-          <c:layout/>
           <c:overlay val="0"/>
           <c:spPr>
             <a:noFill/>
@@ -2957,7 +2953,7 @@
             <a:endParaRPr lang="zh-CN"/>
           </a:p>
         </c:txPr>
-        <c:crossAx val="-1227920704"/>
+        <c:crossAx val="1342759424"/>
         <c:crosses val="autoZero"/>
         <c:auto val="1"/>
         <c:lblAlgn val="ctr"/>
@@ -2965,7 +2961,7 @@
         <c:noMultiLvlLbl val="0"/>
       </c:catAx>
       <c:valAx>
-        <c:axId val="-1227920704"/>
+        <c:axId val="1342759424"/>
         <c:scaling>
           <c:orientation val="minMax"/>
           <c:max val="1"/>
@@ -3012,7 +3008,6 @@
               </a:p>
             </c:rich>
           </c:tx>
-          <c:layout/>
           <c:overlay val="0"/>
           <c:spPr>
             <a:noFill/>
@@ -3073,7 +3068,7 @@
             <a:endParaRPr lang="zh-CN"/>
           </a:p>
         </c:txPr>
-        <c:crossAx val="-1227926144"/>
+        <c:crossAx val="1342767584"/>
         <c:crosses val="autoZero"/>
         <c:crossBetween val="between"/>
       </c:valAx>
@@ -3156,7 +3151,6 @@
           </a:p>
         </c:rich>
       </c:tx>
-      <c:layout/>
       <c:overlay val="0"/>
       <c:spPr>
         <a:noFill/>
@@ -3324,11 +3318,11 @@
         </c:dLbls>
         <c:gapWidth val="219"/>
         <c:overlap val="-27"/>
-        <c:axId val="-1227906560"/>
-        <c:axId val="-1227909280"/>
+        <c:axId val="1342765952"/>
+        <c:axId val="1342761600"/>
       </c:barChart>
       <c:catAx>
-        <c:axId val="-1227906560"/>
+        <c:axId val="1342765952"/>
         <c:scaling>
           <c:orientation val="minMax"/>
         </c:scaling>
@@ -3365,7 +3359,6 @@
               </a:p>
             </c:rich>
           </c:tx>
-          <c:layout/>
           <c:overlay val="0"/>
           <c:spPr>
             <a:noFill/>
@@ -3432,7 +3425,7 @@
             <a:endParaRPr lang="zh-CN"/>
           </a:p>
         </c:txPr>
-        <c:crossAx val="-1227909280"/>
+        <c:crossAx val="1342761600"/>
         <c:crosses val="autoZero"/>
         <c:auto val="1"/>
         <c:lblAlgn val="ctr"/>
@@ -3440,7 +3433,7 @@
         <c:noMultiLvlLbl val="0"/>
       </c:catAx>
       <c:valAx>
-        <c:axId val="-1227909280"/>
+        <c:axId val="1342761600"/>
         <c:scaling>
           <c:orientation val="minMax"/>
         </c:scaling>
@@ -3486,7 +3479,6 @@
               </a:p>
             </c:rich>
           </c:tx>
-          <c:layout/>
           <c:overlay val="0"/>
           <c:spPr>
             <a:noFill/>
@@ -3547,7 +3539,7 @@
             <a:endParaRPr lang="zh-CN"/>
           </a:p>
         </c:txPr>
-        <c:crossAx val="-1227906560"/>
+        <c:crossAx val="1342765952"/>
         <c:crosses val="autoZero"/>
         <c:crossBetween val="between"/>
       </c:valAx>
@@ -3630,7 +3622,6 @@
           </a:p>
         </c:rich>
       </c:tx>
-      <c:layout/>
       <c:overlay val="0"/>
       <c:spPr>
         <a:noFill/>
@@ -3836,11 +3827,11 @@
         </c:dLbls>
         <c:gapWidth val="219"/>
         <c:overlap val="-27"/>
-        <c:axId val="-1227907648"/>
-        <c:axId val="-1227932672"/>
+        <c:axId val="1342765408"/>
+        <c:axId val="1342754528"/>
       </c:barChart>
       <c:catAx>
-        <c:axId val="-1227907648"/>
+        <c:axId val="1342765408"/>
         <c:scaling>
           <c:orientation val="minMax"/>
         </c:scaling>
@@ -3877,7 +3868,6 @@
               </a:p>
             </c:rich>
           </c:tx>
-          <c:layout/>
           <c:overlay val="0"/>
           <c:spPr>
             <a:noFill/>
@@ -3944,7 +3934,7 @@
             <a:endParaRPr lang="zh-CN"/>
           </a:p>
         </c:txPr>
-        <c:crossAx val="-1227932672"/>
+        <c:crossAx val="1342754528"/>
         <c:crosses val="autoZero"/>
         <c:auto val="1"/>
         <c:lblAlgn val="ctr"/>
@@ -3952,7 +3942,7 @@
         <c:noMultiLvlLbl val="0"/>
       </c:catAx>
       <c:valAx>
-        <c:axId val="-1227932672"/>
+        <c:axId val="1342754528"/>
         <c:scaling>
           <c:orientation val="minMax"/>
         </c:scaling>
@@ -3998,7 +3988,6 @@
               </a:p>
             </c:rich>
           </c:tx>
-          <c:layout/>
           <c:overlay val="0"/>
           <c:spPr>
             <a:noFill/>
@@ -4059,7 +4048,7 @@
             <a:endParaRPr lang="zh-CN"/>
           </a:p>
         </c:txPr>
-        <c:crossAx val="-1227907648"/>
+        <c:crossAx val="1342765408"/>
         <c:crosses val="autoZero"/>
         <c:crossBetween val="between"/>
       </c:valAx>
@@ -4150,7 +4139,6 @@
           </a:p>
         </c:rich>
       </c:tx>
-      <c:layout/>
       <c:overlay val="0"/>
       <c:spPr>
         <a:noFill/>
@@ -4319,8 +4307,8 @@
           <c:showBubbleSize val="0"/>
         </c:dLbls>
         <c:smooth val="0"/>
-        <c:axId val="-1227906016"/>
-        <c:axId val="-1227924512"/>
+        <c:axId val="1342766496"/>
+        <c:axId val="1342767040"/>
         <c:extLst xmlns:c16r2="http://schemas.microsoft.com/office/drawing/2015/06/chart">
           <c:ext xmlns:c15="http://schemas.microsoft.com/office/drawing/2012/chart" uri="{02D57815-91ED-43cb-92C2-25804820EDAC}">
             <c15:filteredLineSeries>
@@ -4459,7 +4447,7 @@
         </c:extLst>
       </c:lineChart>
       <c:catAx>
-        <c:axId val="-1227906016"/>
+        <c:axId val="1342766496"/>
         <c:scaling>
           <c:orientation val="minMax"/>
         </c:scaling>
@@ -4510,7 +4498,6 @@
               </a:p>
             </c:rich>
           </c:tx>
-          <c:layout/>
           <c:overlay val="0"/>
           <c:spPr>
             <a:noFill/>
@@ -4576,7 +4563,7 @@
             <a:endParaRPr lang="zh-CN"/>
           </a:p>
         </c:txPr>
-        <c:crossAx val="-1227924512"/>
+        <c:crossAx val="1342767040"/>
         <c:crosses val="autoZero"/>
         <c:auto val="1"/>
         <c:lblAlgn val="ctr"/>
@@ -4584,7 +4571,7 @@
         <c:noMultiLvlLbl val="0"/>
       </c:catAx>
       <c:valAx>
-        <c:axId val="-1227924512"/>
+        <c:axId val="1342767040"/>
         <c:scaling>
           <c:orientation val="minMax"/>
           <c:max val="1"/>
@@ -4631,7 +4618,6 @@
               </a:p>
             </c:rich>
           </c:tx>
-          <c:layout/>
           <c:overlay val="0"/>
           <c:spPr>
             <a:noFill/>
@@ -4692,7 +4678,7 @@
             <a:endParaRPr lang="zh-CN"/>
           </a:p>
         </c:txPr>
-        <c:crossAx val="-1227906016"/>
+        <c:crossAx val="1342766496"/>
         <c:crosses val="autoZero"/>
         <c:crossBetween val="between"/>
       </c:valAx>
@@ -4775,7 +4761,6 @@
           </a:p>
         </c:rich>
       </c:tx>
-      <c:layout/>
       <c:overlay val="0"/>
       <c:spPr>
         <a:noFill/>
@@ -4987,11 +4972,11 @@
         </c:dLbls>
         <c:gapWidth val="219"/>
         <c:overlap val="-27"/>
-        <c:axId val="-1227923968"/>
-        <c:axId val="-1227922880"/>
+        <c:axId val="1342755072"/>
+        <c:axId val="1342756160"/>
       </c:barChart>
       <c:catAx>
-        <c:axId val="-1227923968"/>
+        <c:axId val="1342755072"/>
         <c:scaling>
           <c:orientation val="minMax"/>
         </c:scaling>
@@ -5028,7 +5013,6 @@
               </a:p>
             </c:rich>
           </c:tx>
-          <c:layout/>
           <c:overlay val="0"/>
           <c:spPr>
             <a:noFill/>
@@ -5095,7 +5079,7 @@
             <a:endParaRPr lang="zh-CN"/>
           </a:p>
         </c:txPr>
-        <c:crossAx val="-1227922880"/>
+        <c:crossAx val="1342756160"/>
         <c:crosses val="autoZero"/>
         <c:auto val="1"/>
         <c:lblAlgn val="ctr"/>
@@ -5103,7 +5087,7 @@
         <c:noMultiLvlLbl val="0"/>
       </c:catAx>
       <c:valAx>
-        <c:axId val="-1227922880"/>
+        <c:axId val="1342756160"/>
         <c:scaling>
           <c:orientation val="minMax"/>
         </c:scaling>
@@ -5149,7 +5133,6 @@
               </a:p>
             </c:rich>
           </c:tx>
-          <c:layout/>
           <c:overlay val="0"/>
           <c:spPr>
             <a:noFill/>
@@ -5210,7 +5193,7 @@
             <a:endParaRPr lang="zh-CN"/>
           </a:p>
         </c:txPr>
-        <c:crossAx val="-1227923968"/>
+        <c:crossAx val="1342755072"/>
         <c:crosses val="autoZero"/>
         <c:crossBetween val="between"/>
       </c:valAx>
@@ -5293,7 +5276,6 @@
           </a:p>
         </c:rich>
       </c:tx>
-      <c:layout/>
       <c:overlay val="0"/>
       <c:spPr>
         <a:noFill/>
@@ -5497,11 +5479,11 @@
         </c:dLbls>
         <c:gapWidth val="219"/>
         <c:overlap val="-27"/>
-        <c:axId val="-1227920160"/>
-        <c:axId val="-1227919616"/>
+        <c:axId val="1409517360"/>
+        <c:axId val="1409511920"/>
       </c:barChart>
       <c:catAx>
-        <c:axId val="-1227920160"/>
+        <c:axId val="1409517360"/>
         <c:scaling>
           <c:orientation val="minMax"/>
         </c:scaling>
@@ -5538,7 +5520,6 @@
               </a:p>
             </c:rich>
           </c:tx>
-          <c:layout/>
           <c:overlay val="0"/>
           <c:spPr>
             <a:noFill/>
@@ -5605,7 +5586,7 @@
             <a:endParaRPr lang="zh-CN"/>
           </a:p>
         </c:txPr>
-        <c:crossAx val="-1227919616"/>
+        <c:crossAx val="1409511920"/>
         <c:crosses val="autoZero"/>
         <c:auto val="1"/>
         <c:lblAlgn val="ctr"/>
@@ -5613,7 +5594,7 @@
         <c:noMultiLvlLbl val="0"/>
       </c:catAx>
       <c:valAx>
-        <c:axId val="-1227919616"/>
+        <c:axId val="1409511920"/>
         <c:scaling>
           <c:orientation val="minMax"/>
         </c:scaling>
@@ -5659,7 +5640,6 @@
               </a:p>
             </c:rich>
           </c:tx>
-          <c:layout/>
           <c:overlay val="0"/>
           <c:spPr>
             <a:noFill/>
@@ -5720,7 +5700,7 @@
             <a:endParaRPr lang="zh-CN"/>
           </a:p>
         </c:txPr>
-        <c:crossAx val="-1227920160"/>
+        <c:crossAx val="1409517360"/>
         <c:crosses val="autoZero"/>
         <c:crossBetween val="between"/>
       </c:valAx>
@@ -5811,7 +5791,6 @@
           </a:p>
         </c:rich>
       </c:tx>
-      <c:layout/>
       <c:overlay val="0"/>
       <c:spPr>
         <a:noFill/>
@@ -6007,8 +5986,8 @@
           <c:showBubbleSize val="0"/>
         </c:dLbls>
         <c:smooth val="0"/>
-        <c:axId val="-1227914720"/>
-        <c:axId val="-1340935392"/>
+        <c:axId val="1409516272"/>
+        <c:axId val="1409514096"/>
         <c:extLst xmlns:c16r2="http://schemas.microsoft.com/office/drawing/2015/06/chart">
           <c:ext xmlns:c15="http://schemas.microsoft.com/office/drawing/2012/chart" uri="{02D57815-91ED-43cb-92C2-25804820EDAC}">
             <c15:filteredLineSeries>
@@ -6174,7 +6153,7 @@
         </c:extLst>
       </c:lineChart>
       <c:catAx>
-        <c:axId val="-1227914720"/>
+        <c:axId val="1409516272"/>
         <c:scaling>
           <c:orientation val="minMax"/>
         </c:scaling>
@@ -6225,7 +6204,6 @@
               </a:p>
             </c:rich>
           </c:tx>
-          <c:layout/>
           <c:overlay val="0"/>
           <c:spPr>
             <a:noFill/>
@@ -6291,7 +6269,7 @@
             <a:endParaRPr lang="zh-CN"/>
           </a:p>
         </c:txPr>
-        <c:crossAx val="-1340935392"/>
+        <c:crossAx val="1409514096"/>
         <c:crosses val="autoZero"/>
         <c:auto val="1"/>
         <c:lblAlgn val="ctr"/>
@@ -6299,7 +6277,7 @@
         <c:noMultiLvlLbl val="0"/>
       </c:catAx>
       <c:valAx>
-        <c:axId val="-1340935392"/>
+        <c:axId val="1409514096"/>
         <c:scaling>
           <c:orientation val="minMax"/>
           <c:max val="1"/>
@@ -6346,7 +6324,6 @@
               </a:p>
             </c:rich>
           </c:tx>
-          <c:layout/>
           <c:overlay val="0"/>
           <c:spPr>
             <a:noFill/>
@@ -6407,7 +6384,7 @@
             <a:endParaRPr lang="zh-CN"/>
           </a:p>
         </c:txPr>
-        <c:crossAx val="-1227914720"/>
+        <c:crossAx val="1409516272"/>
         <c:crosses val="autoZero"/>
         <c:crossBetween val="between"/>
       </c:valAx>
@@ -13096,7 +13073,7 @@
           <a:p>
             <a:fld id="{57BAEB62-9FA2-4B93-85AB-0A2F20CB9BF2}" type="datetimeFigureOut">
               <a:rPr lang="zh-CN" altLang="en-US" smtClean="0"/>
-              <a:t>2017/4/25</a:t>
+              <a:t>2017/4/26</a:t>
             </a:fld>
             <a:endParaRPr lang="zh-CN" altLang="en-US"/>
           </a:p>
@@ -15391,7 +15368,7 @@
           <a:p>
             <a:fld id="{D10AFBC1-6E7B-43E8-A3BD-CC43F962BB96}" type="datetimeFigureOut">
               <a:rPr lang="zh-CN" altLang="en-US" smtClean="0"/>
-              <a:t>2017/4/25</a:t>
+              <a:t>2017/4/26</a:t>
             </a:fld>
             <a:endParaRPr lang="zh-CN" altLang="en-US"/>
           </a:p>
@@ -15561,7 +15538,7 @@
           <a:p>
             <a:fld id="{D10AFBC1-6E7B-43E8-A3BD-CC43F962BB96}" type="datetimeFigureOut">
               <a:rPr lang="zh-CN" altLang="en-US" smtClean="0"/>
-              <a:t>2017/4/25</a:t>
+              <a:t>2017/4/26</a:t>
             </a:fld>
             <a:endParaRPr lang="zh-CN" altLang="en-US"/>
           </a:p>
@@ -15741,7 +15718,7 @@
           <a:p>
             <a:fld id="{D10AFBC1-6E7B-43E8-A3BD-CC43F962BB96}" type="datetimeFigureOut">
               <a:rPr lang="zh-CN" altLang="en-US" smtClean="0"/>
-              <a:t>2017/4/25</a:t>
+              <a:t>2017/4/26</a:t>
             </a:fld>
             <a:endParaRPr lang="zh-CN" altLang="en-US"/>
           </a:p>
@@ -15911,7 +15888,7 @@
           <a:p>
             <a:fld id="{D10AFBC1-6E7B-43E8-A3BD-CC43F962BB96}" type="datetimeFigureOut">
               <a:rPr lang="zh-CN" altLang="en-US" smtClean="0"/>
-              <a:t>2017/4/25</a:t>
+              <a:t>2017/4/26</a:t>
             </a:fld>
             <a:endParaRPr lang="zh-CN" altLang="en-US"/>
           </a:p>
@@ -16155,7 +16132,7 @@
           <a:p>
             <a:fld id="{D10AFBC1-6E7B-43E8-A3BD-CC43F962BB96}" type="datetimeFigureOut">
               <a:rPr lang="zh-CN" altLang="en-US" smtClean="0"/>
-              <a:t>2017/4/25</a:t>
+              <a:t>2017/4/26</a:t>
             </a:fld>
             <a:endParaRPr lang="zh-CN" altLang="en-US"/>
           </a:p>
@@ -16387,7 +16364,7 @@
           <a:p>
             <a:fld id="{D10AFBC1-6E7B-43E8-A3BD-CC43F962BB96}" type="datetimeFigureOut">
               <a:rPr lang="zh-CN" altLang="en-US" smtClean="0"/>
-              <a:t>2017/4/25</a:t>
+              <a:t>2017/4/26</a:t>
             </a:fld>
             <a:endParaRPr lang="zh-CN" altLang="en-US"/>
           </a:p>
@@ -16754,7 +16731,7 @@
           <a:p>
             <a:fld id="{D10AFBC1-6E7B-43E8-A3BD-CC43F962BB96}" type="datetimeFigureOut">
               <a:rPr lang="zh-CN" altLang="en-US" smtClean="0"/>
-              <a:t>2017/4/25</a:t>
+              <a:t>2017/4/26</a:t>
             </a:fld>
             <a:endParaRPr lang="zh-CN" altLang="en-US"/>
           </a:p>
@@ -16872,7 +16849,7 @@
           <a:p>
             <a:fld id="{D10AFBC1-6E7B-43E8-A3BD-CC43F962BB96}" type="datetimeFigureOut">
               <a:rPr lang="zh-CN" altLang="en-US" smtClean="0"/>
-              <a:t>2017/4/25</a:t>
+              <a:t>2017/4/26</a:t>
             </a:fld>
             <a:endParaRPr lang="zh-CN" altLang="en-US"/>
           </a:p>
@@ -16967,7 +16944,7 @@
           <a:p>
             <a:fld id="{D10AFBC1-6E7B-43E8-A3BD-CC43F962BB96}" type="datetimeFigureOut">
               <a:rPr lang="zh-CN" altLang="en-US" smtClean="0"/>
-              <a:t>2017/4/25</a:t>
+              <a:t>2017/4/26</a:t>
             </a:fld>
             <a:endParaRPr lang="zh-CN" altLang="en-US"/>
           </a:p>
@@ -17244,7 +17221,7 @@
           <a:p>
             <a:fld id="{D10AFBC1-6E7B-43E8-A3BD-CC43F962BB96}" type="datetimeFigureOut">
               <a:rPr lang="zh-CN" altLang="en-US" smtClean="0"/>
-              <a:t>2017/4/25</a:t>
+              <a:t>2017/4/26</a:t>
             </a:fld>
             <a:endParaRPr lang="zh-CN" altLang="en-US"/>
           </a:p>
@@ -17501,7 +17478,7 @@
           <a:p>
             <a:fld id="{D10AFBC1-6E7B-43E8-A3BD-CC43F962BB96}" type="datetimeFigureOut">
               <a:rPr lang="zh-CN" altLang="en-US" smtClean="0"/>
-              <a:t>2017/4/25</a:t>
+              <a:t>2017/4/26</a:t>
             </a:fld>
             <a:endParaRPr lang="zh-CN" altLang="en-US"/>
           </a:p>
@@ -17714,7 +17691,7 @@
           <a:p>
             <a:fld id="{D10AFBC1-6E7B-43E8-A3BD-CC43F962BB96}" type="datetimeFigureOut">
               <a:rPr lang="zh-CN" altLang="en-US" smtClean="0"/>
-              <a:t>2017/4/25</a:t>
+              <a:t>2017/4/26</a:t>
             </a:fld>
             <a:endParaRPr lang="zh-CN" altLang="en-US"/>
           </a:p>
@@ -20762,12 +20739,12 @@
           <a:graphicData uri="http://schemas.openxmlformats.org/presentationml/2006/ole">
             <mc:AlternateContent xmlns:mc="http://schemas.openxmlformats.org/markup-compatibility/2006">
               <mc:Choice xmlns:v="urn:schemas-microsoft-com:vml" Requires="v">
-                <p:oleObj spid="_x0000_s1040" name="Visio" r:id="rId3" imgW="12467620" imgH="4329842" progId="Visio.Drawing.15">
+                <p:oleObj spid="_x0000_s1041" name="Visio" r:id="rId4" imgW="12467620" imgH="4329842" progId="Visio.Drawing.15">
                   <p:embed/>
                 </p:oleObj>
               </mc:Choice>
               <mc:Fallback>
-                <p:oleObj name="Visio" r:id="rId3" imgW="12467620" imgH="4329842" progId="Visio.Drawing.15">
+                <p:oleObj name="Visio" r:id="rId4" imgW="12467620" imgH="4329842" progId="Visio.Drawing.15">
                   <p:embed/>
                   <p:pic>
                     <p:nvPicPr>
@@ -20778,7 +20755,7 @@
                       <p:nvPr/>
                     </p:nvPicPr>
                     <p:blipFill>
-                      <a:blip r:embed="rId4"/>
+                      <a:blip r:embed="rId5"/>
                       <a:srcRect/>
                       <a:stretch>
                         <a:fillRect/>
@@ -22833,11 +22810,11 @@
   <p:clrMapOvr>
     <a:masterClrMapping/>
   </p:clrMapOvr>
-  <mc:AlternateContent xmlns:mc="http://schemas.openxmlformats.org/markup-compatibility/2006">
-    <mc:Choice xmlns:p14="http://schemas.microsoft.com/office/powerpoint/2010/main" Requires="p14">
+  <mc:AlternateContent xmlns:mc="http://schemas.openxmlformats.org/markup-compatibility/2006" xmlns:p14="http://schemas.microsoft.com/office/powerpoint/2010/main">
+    <mc:Choice Requires="p14">
       <p:transition spd="slow" p14:dur="2000" advTm="14871"/>
     </mc:Choice>
-    <mc:Fallback>
+    <mc:Fallback xmlns="">
       <p:transition spd="slow" advTm="14871"/>
     </mc:Fallback>
   </mc:AlternateContent>
@@ -23234,11 +23211,11 @@
   <p:clrMapOvr>
     <a:masterClrMapping/>
   </p:clrMapOvr>
-  <mc:AlternateContent xmlns:mc="http://schemas.openxmlformats.org/markup-compatibility/2006">
-    <mc:Choice xmlns:p14="http://schemas.microsoft.com/office/powerpoint/2010/main" Requires="p14">
+  <mc:AlternateContent xmlns:mc="http://schemas.openxmlformats.org/markup-compatibility/2006" xmlns:p14="http://schemas.microsoft.com/office/powerpoint/2010/main">
+    <mc:Choice Requires="p14">
       <p:transition spd="slow" p14:dur="2000" advTm="48900"/>
     </mc:Choice>
-    <mc:Fallback>
+    <mc:Fallback xmlns="">
       <p:transition spd="slow" advTm="48900"/>
     </mc:Fallback>
   </mc:AlternateContent>
@@ -23772,8 +23749,8 @@
           </a:ln>
         </p:spPr>
       </p:pic>
-      <mc:AlternateContent xmlns:mc="http://schemas.openxmlformats.org/markup-compatibility/2006">
-        <mc:Choice xmlns:a14="http://schemas.microsoft.com/office/drawing/2010/main" Requires="a14">
+      <mc:AlternateContent xmlns:mc="http://schemas.openxmlformats.org/markup-compatibility/2006" xmlns:a14="http://schemas.microsoft.com/office/drawing/2010/main">
+        <mc:Choice Requires="a14">
           <p:sp>
             <p:nvSpPr>
               <p:cNvPr id="11" name="文本框 10"/>
@@ -23940,7 +23917,7 @@
             </p:txBody>
           </p:sp>
         </mc:Choice>
-        <mc:Fallback>
+        <mc:Fallback xmlns="">
           <p:sp>
             <p:nvSpPr>
               <p:cNvPr id="11" name="文本框 10"/>
@@ -23979,8 +23956,8 @@
           </p:sp>
         </mc:Fallback>
       </mc:AlternateContent>
-      <mc:AlternateContent xmlns:mc="http://schemas.openxmlformats.org/markup-compatibility/2006">
-        <mc:Choice xmlns:a14="http://schemas.microsoft.com/office/drawing/2010/main" Requires="a14">
+      <mc:AlternateContent xmlns:mc="http://schemas.openxmlformats.org/markup-compatibility/2006" xmlns:a14="http://schemas.microsoft.com/office/drawing/2010/main">
+        <mc:Choice Requires="a14">
           <p:sp>
             <p:nvSpPr>
               <p:cNvPr id="12" name="矩形 11"/>
@@ -24293,7 +24270,7 @@
             </p:txBody>
           </p:sp>
         </mc:Choice>
-        <mc:Fallback>
+        <mc:Fallback xmlns="">
           <p:sp>
             <p:nvSpPr>
               <p:cNvPr id="12" name="矩形 11"/>
@@ -24332,8 +24309,8 @@
           </p:sp>
         </mc:Fallback>
       </mc:AlternateContent>
-      <mc:AlternateContent xmlns:mc="http://schemas.openxmlformats.org/markup-compatibility/2006">
-        <mc:Choice xmlns:a14="http://schemas.microsoft.com/office/drawing/2010/main" Requires="a14">
+      <mc:AlternateContent xmlns:mc="http://schemas.openxmlformats.org/markup-compatibility/2006" xmlns:a14="http://schemas.microsoft.com/office/drawing/2010/main">
+        <mc:Choice Requires="a14">
           <p:sp>
             <p:nvSpPr>
               <p:cNvPr id="13" name="矩形 12"/>
@@ -24503,7 +24480,7 @@
             </p:txBody>
           </p:sp>
         </mc:Choice>
-        <mc:Fallback>
+        <mc:Fallback xmlns="">
           <p:sp>
             <p:nvSpPr>
               <p:cNvPr id="13" name="矩形 12"/>
@@ -26407,12 +26384,12 @@
             <a:graphicData uri="http://schemas.openxmlformats.org/presentationml/2006/ole">
               <mc:AlternateContent xmlns:mc="http://schemas.openxmlformats.org/markup-compatibility/2006">
                 <mc:Choice xmlns:v="urn:schemas-microsoft-com:vml" Requires="v">
-                  <p:oleObj spid="_x0000_s2054" name="Visio" r:id="rId3" imgW="5249789" imgH="5698709" progId="Visio.Drawing.15">
+                  <p:oleObj spid="_x0000_s2056" name="Visio" r:id="rId4" imgW="5249789" imgH="5698709" progId="Visio.Drawing.15">
                     <p:embed/>
                   </p:oleObj>
                 </mc:Choice>
                 <mc:Fallback>
-                  <p:oleObj name="Visio" r:id="rId3" imgW="5249789" imgH="5698709" progId="Visio.Drawing.15">
+                  <p:oleObj name="Visio" r:id="rId4" imgW="5249789" imgH="5698709" progId="Visio.Drawing.15">
                     <p:embed/>
                     <p:pic>
                       <p:nvPicPr>
@@ -26423,7 +26400,7 @@
                         <p:nvPr/>
                       </p:nvPicPr>
                       <p:blipFill>
-                        <a:blip r:embed="rId4">
+                        <a:blip r:embed="rId5">
                           <a:extLst>
                             <a:ext uri="{28A0092B-C50C-407E-A947-70E740481C1C}">
                               <a14:useLocalDpi xmlns:a14="http://schemas.microsoft.com/office/drawing/2010/main" val="0"/>
@@ -26527,12 +26504,12 @@
             <a:graphicData uri="http://schemas.openxmlformats.org/presentationml/2006/ole">
               <mc:AlternateContent xmlns:mc="http://schemas.openxmlformats.org/markup-compatibility/2006">
                 <mc:Choice xmlns:v="urn:schemas-microsoft-com:vml" Requires="v">
-                  <p:oleObj spid="_x0000_s2055" name="Visio" r:id="rId5" imgW="5251048" imgH="5158477" progId="Visio.Drawing.15">
+                  <p:oleObj spid="_x0000_s2057" name="Visio" r:id="rId7" imgW="5251048" imgH="5158477" progId="Visio.Drawing.15">
                     <p:embed/>
                   </p:oleObj>
                 </mc:Choice>
                 <mc:Fallback>
-                  <p:oleObj name="Visio" r:id="rId5" imgW="5251048" imgH="5158477" progId="Visio.Drawing.15">
+                  <p:oleObj name="Visio" r:id="rId7" imgW="5251048" imgH="5158477" progId="Visio.Drawing.15">
                     <p:embed/>
                     <p:pic>
                       <p:nvPicPr>
@@ -26543,7 +26520,7 @@
                         <p:nvPr/>
                       </p:nvPicPr>
                       <p:blipFill>
-                        <a:blip r:embed="rId6">
+                        <a:blip r:embed="rId8">
                           <a:extLst>
                             <a:ext uri="{28A0092B-C50C-407E-A947-70E740481C1C}">
                               <a14:useLocalDpi xmlns:a14="http://schemas.microsoft.com/office/drawing/2010/main" val="0"/>
@@ -27172,8 +27149,8 @@
           </a:p>
         </p:txBody>
       </p:sp>
-      <mc:AlternateContent xmlns:mc="http://schemas.openxmlformats.org/markup-compatibility/2006">
-        <mc:Choice xmlns:a14="http://schemas.microsoft.com/office/drawing/2010/main" Requires="a14">
+      <mc:AlternateContent xmlns:mc="http://schemas.openxmlformats.org/markup-compatibility/2006" xmlns:a14="http://schemas.microsoft.com/office/drawing/2010/main">
+        <mc:Choice Requires="a14">
           <p:sp>
             <p:nvSpPr>
               <p:cNvPr id="21" name="文本框 20"/>
@@ -27306,7 +27283,7 @@
             </p:txBody>
           </p:sp>
         </mc:Choice>
-        <mc:Fallback>
+        <mc:Fallback xmlns="">
           <p:sp>
             <p:nvSpPr>
               <p:cNvPr id="21" name="文本框 20"/>
@@ -27668,8 +27645,8 @@
           </a:p>
         </p:txBody>
       </p:sp>
-      <mc:AlternateContent xmlns:mc="http://schemas.openxmlformats.org/markup-compatibility/2006">
-        <mc:Choice xmlns:a14="http://schemas.microsoft.com/office/drawing/2010/main" Requires="a14">
+      <mc:AlternateContent xmlns:mc="http://schemas.openxmlformats.org/markup-compatibility/2006" xmlns:a14="http://schemas.microsoft.com/office/drawing/2010/main">
+        <mc:Choice Requires="a14">
           <p:sp>
             <p:nvSpPr>
               <p:cNvPr id="13" name="矩形 12"/>
@@ -28731,7 +28708,7 @@
             </p:txBody>
           </p:sp>
         </mc:Choice>
-        <mc:Fallback>
+        <mc:Fallback xmlns="">
           <p:sp>
             <p:nvSpPr>
               <p:cNvPr id="13" name="矩形 12"/>
@@ -30482,11 +30459,11 @@
   <p:clrMapOvr>
     <a:masterClrMapping/>
   </p:clrMapOvr>
-  <mc:AlternateContent xmlns:mc="http://schemas.openxmlformats.org/markup-compatibility/2006">
-    <mc:Choice xmlns:p14="http://schemas.microsoft.com/office/powerpoint/2010/main" Requires="p14">
+  <mc:AlternateContent xmlns:mc="http://schemas.openxmlformats.org/markup-compatibility/2006" xmlns:p14="http://schemas.microsoft.com/office/powerpoint/2010/main">
+    <mc:Choice Requires="p14">
       <p:transition spd="slow" p14:dur="2000" advTm="3944"/>
     </mc:Choice>
-    <mc:Fallback>
+    <mc:Fallback xmlns="">
       <p:transition spd="slow" advTm="3944"/>
     </mc:Fallback>
   </mc:AlternateContent>
@@ -30804,11 +30781,11 @@
   <p:clrMapOvr>
     <a:masterClrMapping/>
   </p:clrMapOvr>
-  <mc:AlternateContent xmlns:mc="http://schemas.openxmlformats.org/markup-compatibility/2006">
-    <mc:Choice xmlns:p14="http://schemas.microsoft.com/office/powerpoint/2010/main" Requires="p14">
+  <mc:AlternateContent xmlns:mc="http://schemas.openxmlformats.org/markup-compatibility/2006" xmlns:p14="http://schemas.microsoft.com/office/powerpoint/2010/main">
+    <mc:Choice Requires="p14">
       <p:transition spd="slow" p14:dur="2000" advTm="3944"/>
     </mc:Choice>
-    <mc:Fallback>
+    <mc:Fallback xmlns="">
       <p:transition spd="slow" advTm="3944"/>
     </mc:Fallback>
   </mc:AlternateContent>
@@ -31090,11 +31067,11 @@
   <p:clrMapOvr>
     <a:masterClrMapping/>
   </p:clrMapOvr>
-  <mc:AlternateContent xmlns:mc="http://schemas.openxmlformats.org/markup-compatibility/2006">
-    <mc:Choice xmlns:p14="http://schemas.microsoft.com/office/powerpoint/2010/main" Requires="p14">
+  <mc:AlternateContent xmlns:mc="http://schemas.openxmlformats.org/markup-compatibility/2006" xmlns:p14="http://schemas.microsoft.com/office/powerpoint/2010/main">
+    <mc:Choice Requires="p14">
       <p:transition spd="slow" p14:dur="2000" advTm="3944"/>
     </mc:Choice>
-    <mc:Fallback>
+    <mc:Fallback xmlns="">
       <p:transition spd="slow" advTm="3944"/>
     </mc:Fallback>
   </mc:AlternateContent>
@@ -31407,11 +31384,11 @@
   <p:clrMapOvr>
     <a:masterClrMapping/>
   </p:clrMapOvr>
-  <mc:AlternateContent xmlns:mc="http://schemas.openxmlformats.org/markup-compatibility/2006">
-    <mc:Choice xmlns:p14="http://schemas.microsoft.com/office/powerpoint/2010/main" Requires="p14">
+  <mc:AlternateContent xmlns:mc="http://schemas.openxmlformats.org/markup-compatibility/2006" xmlns:p14="http://schemas.microsoft.com/office/powerpoint/2010/main">
+    <mc:Choice Requires="p14">
       <p:transition spd="slow" p14:dur="2000" advTm="3944"/>
     </mc:Choice>
-    <mc:Fallback>
+    <mc:Fallback xmlns="">
       <p:transition spd="slow" advTm="3944"/>
     </mc:Fallback>
   </mc:AlternateContent>
@@ -31853,11 +31830,11 @@
   <p:clrMapOvr>
     <a:masterClrMapping/>
   </p:clrMapOvr>
-  <mc:AlternateContent xmlns:mc="http://schemas.openxmlformats.org/markup-compatibility/2006">
-    <mc:Choice xmlns:p14="http://schemas.microsoft.com/office/powerpoint/2010/main" Requires="p14">
+  <mc:AlternateContent xmlns:mc="http://schemas.openxmlformats.org/markup-compatibility/2006" xmlns:p14="http://schemas.microsoft.com/office/powerpoint/2010/main">
+    <mc:Choice Requires="p14">
       <p:transition spd="slow" p14:dur="2000" advTm="3944"/>
     </mc:Choice>
-    <mc:Fallback>
+    <mc:Fallback xmlns="">
       <p:transition spd="slow" advTm="3944"/>
     </mc:Fallback>
   </mc:AlternateContent>
@@ -31998,7 +31975,7 @@
         <p:spPr>
           <a:xfrm>
             <a:off x="1333500" y="3517900"/>
-            <a:ext cx="6858000" cy="1477328"/>
+            <a:ext cx="6858000" cy="1754326"/>
           </a:xfrm>
           <a:prstGeom prst="rect">
             <a:avLst/>
@@ -32024,7 +32001,22 @@
             </a:pPr>
             <a:r>
               <a:rPr lang="zh-CN" altLang="en-US" dirty="0" smtClean="0"/>
-              <a:t>系统解决的是增加边的流，能否解决删除边的流，或者增加和删除混合的流？</a:t>
+              <a:t>系统解决的是增加边的流，能否解决删除边的流，或者增加和删除混合的流</a:t>
+            </a:r>
+            <a:r>
+              <a:rPr lang="zh-CN" altLang="en-US" dirty="0" smtClean="0"/>
+              <a:t>？</a:t>
+            </a:r>
+            <a:endParaRPr lang="en-US" altLang="zh-CN" dirty="0" smtClean="0"/>
+          </a:p>
+          <a:p>
+            <a:pPr marL="285750" indent="-285750">
+              <a:buFont typeface="Wingdings" panose="05000000000000000000" pitchFamily="2" charset="2"/>
+              <a:buChar char="ü"/>
+            </a:pPr>
+            <a:r>
+              <a:rPr lang="zh-CN" altLang="en-US" dirty="0" smtClean="0"/>
+              <a:t>系统能否应对流速变化的流？吞吐率如何？</a:t>
             </a:r>
             <a:endParaRPr lang="en-US" altLang="zh-CN" dirty="0" smtClean="0"/>
           </a:p>
@@ -32078,11 +32070,11 @@
   <p:clrMapOvr>
     <a:masterClrMapping/>
   </p:clrMapOvr>
-  <mc:AlternateContent xmlns:mc="http://schemas.openxmlformats.org/markup-compatibility/2006">
-    <mc:Choice xmlns:p14="http://schemas.microsoft.com/office/powerpoint/2010/main" Requires="p14">
+  <mc:AlternateContent xmlns:mc="http://schemas.openxmlformats.org/markup-compatibility/2006" xmlns:p14="http://schemas.microsoft.com/office/powerpoint/2010/main">
+    <mc:Choice Requires="p14">
       <p:transition spd="slow" p14:dur="2000" advTm="3944"/>
     </mc:Choice>
-    <mc:Fallback>
+    <mc:Fallback xmlns="">
       <p:transition spd="slow" advTm="3944"/>
     </mc:Fallback>
   </mc:AlternateContent>
@@ -32139,7 +32131,6 @@
               <a:rPr lang="zh-CN" altLang="en-US" sz="1575" dirty="0"/>
               <a:t>举例：统计各个节点的度</a:t>
             </a:r>
-            <a:endParaRPr lang="zh-CN" altLang="en-US" sz="1575" dirty="0"/>
           </a:p>
         </p:txBody>
       </p:sp>
@@ -33283,11 +33274,7 @@
             </a:pPr>
             <a:r>
               <a:rPr lang="zh-CN" altLang="en-US" sz="1350" dirty="0"/>
-              <a:t>计算结果与各个节点的计算顺序</a:t>
-            </a:r>
-            <a:r>
-              <a:rPr lang="zh-CN" altLang="en-US" sz="1350" dirty="0"/>
-              <a:t>无关</a:t>
+              <a:t>计算结果与各个节点的计算顺序无关</a:t>
             </a:r>
             <a:endParaRPr lang="en-US" altLang="zh-CN" sz="1350" dirty="0"/>
           </a:p>
@@ -33645,7 +33632,6 @@
               <a:rPr lang="zh-CN" altLang="en-US" sz="1575" dirty="0"/>
               <a:t>举例：统计图中三角形个数</a:t>
             </a:r>
-            <a:endParaRPr lang="zh-CN" altLang="en-US" sz="1575" dirty="0"/>
           </a:p>
         </p:txBody>
       </p:sp>
@@ -34877,11 +34863,7 @@
             </a:pPr>
             <a:r>
               <a:rPr lang="zh-CN" altLang="en-US" sz="1350" dirty="0"/>
-              <a:t>计算</a:t>
-            </a:r>
-            <a:r>
-              <a:rPr lang="zh-CN" altLang="en-US" sz="1350" dirty="0"/>
-              <a:t>结果与各个节点的计算顺序无关</a:t>
+              <a:t>计算结果与各个节点的计算顺序无关</a:t>
             </a:r>
           </a:p>
         </p:txBody>
@@ -35346,7 +35328,6 @@
               <a:rPr lang="zh-CN" altLang="en-US" sz="1575" dirty="0"/>
               <a:t>举例：单源点最短路径</a:t>
             </a:r>
-            <a:endParaRPr lang="zh-CN" altLang="en-US" sz="1575" dirty="0"/>
           </a:p>
         </p:txBody>
       </p:sp>
@@ -35978,8 +35959,8 @@
           </a:p>
         </p:txBody>
       </p:sp>
-      <mc:AlternateContent xmlns:mc="http://schemas.openxmlformats.org/markup-compatibility/2006">
-        <mc:Choice xmlns:a14="http://schemas.microsoft.com/office/drawing/2010/main" Requires="a14">
+      <mc:AlternateContent xmlns:mc="http://schemas.openxmlformats.org/markup-compatibility/2006" xmlns:a14="http://schemas.microsoft.com/office/drawing/2010/main">
+        <mc:Choice Requires="a14">
           <p:sp>
             <p:nvSpPr>
               <p:cNvPr id="52" name="流程图: 联系 51"/>
@@ -36036,7 +36017,7 @@
             </p:txBody>
           </p:sp>
         </mc:Choice>
-        <mc:Fallback>
+        <mc:Fallback xmlns="">
           <p:sp>
             <p:nvSpPr>
               <p:cNvPr id="52" name="流程图: 联系 51"/>
@@ -36218,8 +36199,8 @@
           </a:p>
         </p:txBody>
       </p:sp>
-      <mc:AlternateContent xmlns:mc="http://schemas.openxmlformats.org/markup-compatibility/2006">
-        <mc:Choice xmlns:a14="http://schemas.microsoft.com/office/drawing/2010/main" Requires="a14">
+      <mc:AlternateContent xmlns:mc="http://schemas.openxmlformats.org/markup-compatibility/2006" xmlns:a14="http://schemas.microsoft.com/office/drawing/2010/main">
+        <mc:Choice Requires="a14">
           <p:sp>
             <p:nvSpPr>
               <p:cNvPr id="57" name="流程图: 联系 56"/>
@@ -36276,7 +36257,7 @@
             </p:txBody>
           </p:sp>
         </mc:Choice>
-        <mc:Fallback>
+        <mc:Fallback xmlns="">
           <p:sp>
             <p:nvSpPr>
               <p:cNvPr id="57" name="流程图: 联系 56"/>
@@ -36315,8 +36296,8 @@
           </p:sp>
         </mc:Fallback>
       </mc:AlternateContent>
-      <mc:AlternateContent xmlns:mc="http://schemas.openxmlformats.org/markup-compatibility/2006">
-        <mc:Choice xmlns:a14="http://schemas.microsoft.com/office/drawing/2010/main" Requires="a14">
+      <mc:AlternateContent xmlns:mc="http://schemas.openxmlformats.org/markup-compatibility/2006" xmlns:a14="http://schemas.microsoft.com/office/drawing/2010/main">
+        <mc:Choice Requires="a14">
           <p:sp>
             <p:nvSpPr>
               <p:cNvPr id="90" name="流程图: 联系 89"/>
@@ -36373,7 +36354,7 @@
             </p:txBody>
           </p:sp>
         </mc:Choice>
-        <mc:Fallback>
+        <mc:Fallback xmlns="">
           <p:sp>
             <p:nvSpPr>
               <p:cNvPr id="90" name="流程图: 联系 89"/>
@@ -36737,11 +36718,7 @@
             </a:pPr>
             <a:r>
               <a:rPr lang="zh-CN" altLang="en-US" sz="1350" dirty="0"/>
-              <a:t>计算</a:t>
-            </a:r>
-            <a:r>
-              <a:rPr lang="zh-CN" altLang="en-US" sz="1350" dirty="0"/>
-              <a:t>结果与各个节点的计算顺序无关</a:t>
+              <a:t>计算结果与各个节点的计算顺序无关</a:t>
             </a:r>
           </a:p>
         </p:txBody>
@@ -38498,17 +38475,8 @@
             </a:pPr>
             <a:r>
               <a:rPr lang="zh-CN" altLang="en-US" sz="1350" dirty="0"/>
-              <a:t>计算</a:t>
-            </a:r>
-            <a:r>
-              <a:rPr lang="zh-CN" altLang="en-US" sz="1350" dirty="0"/>
-              <a:t>结果与各个节点的计算</a:t>
-            </a:r>
-            <a:r>
-              <a:rPr lang="zh-CN" altLang="en-US" sz="1350" dirty="0"/>
-              <a:t>顺序相关</a:t>
-            </a:r>
-            <a:endParaRPr lang="zh-CN" altLang="en-US" sz="1350" dirty="0"/>
+              <a:t>计算结果与各个节点的计算顺序相关</a:t>
+            </a:r>
           </a:p>
         </p:txBody>
       </p:sp>
@@ -39046,42 +39014,42 @@
                 <a:gridCol w="663533">
                   <a:extLst>
                     <a:ext uri="{9D8B030D-6E8A-4147-A177-3AD203B41FA5}">
-                      <a16:colId xmlns:a16="http://schemas.microsoft.com/office/drawing/2014/main" xmlns="" val="1052445899"/>
+                      <a16:colId xmlns="" xmlns:a16="http://schemas.microsoft.com/office/drawing/2014/main" val="1052445899"/>
                     </a:ext>
                   </a:extLst>
                 </a:gridCol>
                 <a:gridCol w="1439541">
                   <a:extLst>
                     <a:ext uri="{9D8B030D-6E8A-4147-A177-3AD203B41FA5}">
-                      <a16:colId xmlns:a16="http://schemas.microsoft.com/office/drawing/2014/main" xmlns="" val="3459462674"/>
+                      <a16:colId xmlns="" xmlns:a16="http://schemas.microsoft.com/office/drawing/2014/main" val="3459462674"/>
                     </a:ext>
                   </a:extLst>
                 </a:gridCol>
                 <a:gridCol w="1286521">
                   <a:extLst>
                     <a:ext uri="{9D8B030D-6E8A-4147-A177-3AD203B41FA5}">
-                      <a16:colId xmlns:a16="http://schemas.microsoft.com/office/drawing/2014/main" xmlns="" val="203285374"/>
+                      <a16:colId xmlns="" xmlns:a16="http://schemas.microsoft.com/office/drawing/2014/main" val="203285374"/>
                     </a:ext>
                   </a:extLst>
                 </a:gridCol>
                 <a:gridCol w="1252512">
                   <a:extLst>
                     <a:ext uri="{9D8B030D-6E8A-4147-A177-3AD203B41FA5}">
-                      <a16:colId xmlns:a16="http://schemas.microsoft.com/office/drawing/2014/main" xmlns="" val="2768004889"/>
+                      <a16:colId xmlns="" xmlns:a16="http://schemas.microsoft.com/office/drawing/2014/main" val="2768004889"/>
                     </a:ext>
                   </a:extLst>
                 </a:gridCol>
                 <a:gridCol w="1237457">
                   <a:extLst>
                     <a:ext uri="{9D8B030D-6E8A-4147-A177-3AD203B41FA5}">
-                      <a16:colId xmlns:a16="http://schemas.microsoft.com/office/drawing/2014/main" xmlns="" val="3795103737"/>
+                      <a16:colId xmlns="" xmlns:a16="http://schemas.microsoft.com/office/drawing/2014/main" val="3795103737"/>
                     </a:ext>
                   </a:extLst>
                 </a:gridCol>
                 <a:gridCol w="1362612">
                   <a:extLst>
                     <a:ext uri="{9D8B030D-6E8A-4147-A177-3AD203B41FA5}">
-                      <a16:colId xmlns:a16="http://schemas.microsoft.com/office/drawing/2014/main" xmlns="" val="3619591535"/>
+                      <a16:colId xmlns="" xmlns:a16="http://schemas.microsoft.com/office/drawing/2014/main" val="3619591535"/>
                     </a:ext>
                   </a:extLst>
                 </a:gridCol>
@@ -39263,7 +39231,7 @@
                 </a:tc>
                 <a:extLst>
                   <a:ext uri="{0D108BD9-81ED-4DB2-BD59-A6C34878D82A}">
-                    <a16:rowId xmlns:a16="http://schemas.microsoft.com/office/drawing/2014/main" xmlns="" val="2935134402"/>
+                    <a16:rowId xmlns="" xmlns:a16="http://schemas.microsoft.com/office/drawing/2014/main" val="2935134402"/>
                   </a:ext>
                 </a:extLst>
               </a:tr>
@@ -39460,7 +39428,7 @@
                 </a:tc>
                 <a:extLst>
                   <a:ext uri="{0D108BD9-81ED-4DB2-BD59-A6C34878D82A}">
-                    <a16:rowId xmlns:a16="http://schemas.microsoft.com/office/drawing/2014/main" xmlns="" val="1266331502"/>
+                    <a16:rowId xmlns="" xmlns:a16="http://schemas.microsoft.com/office/drawing/2014/main" val="1266331502"/>
                   </a:ext>
                 </a:extLst>
               </a:tr>
@@ -39657,7 +39625,7 @@
                 </a:tc>
                 <a:extLst>
                   <a:ext uri="{0D108BD9-81ED-4DB2-BD59-A6C34878D82A}">
-                    <a16:rowId xmlns:a16="http://schemas.microsoft.com/office/drawing/2014/main" xmlns="" val="1631344543"/>
+                    <a16:rowId xmlns="" xmlns:a16="http://schemas.microsoft.com/office/drawing/2014/main" val="1631344543"/>
                   </a:ext>
                 </a:extLst>
               </a:tr>
@@ -39866,7 +39834,7 @@
                 </a:tc>
                 <a:extLst>
                   <a:ext uri="{0D108BD9-81ED-4DB2-BD59-A6C34878D82A}">
-                    <a16:rowId xmlns:a16="http://schemas.microsoft.com/office/drawing/2014/main" xmlns="" val="2128716520"/>
+                    <a16:rowId xmlns="" xmlns:a16="http://schemas.microsoft.com/office/drawing/2014/main" val="2128716520"/>
                   </a:ext>
                 </a:extLst>
               </a:tr>
@@ -40063,7 +40031,7 @@
                 </a:tc>
                 <a:extLst>
                   <a:ext uri="{0D108BD9-81ED-4DB2-BD59-A6C34878D82A}">
-                    <a16:rowId xmlns:a16="http://schemas.microsoft.com/office/drawing/2014/main" xmlns="" val="1894744060"/>
+                    <a16:rowId xmlns="" xmlns:a16="http://schemas.microsoft.com/office/drawing/2014/main" val="1894744060"/>
                   </a:ext>
                 </a:extLst>
               </a:tr>
@@ -40161,7 +40129,6 @@
               <a:rPr lang="zh-CN" altLang="en-US" sz="1350" dirty="0"/>
               <a:t>增量计算方法</a:t>
             </a:r>
-            <a:endParaRPr lang="zh-CN" altLang="en-US" sz="1350" dirty="0"/>
           </a:p>
         </p:txBody>
       </p:sp>
@@ -40209,7 +40176,6 @@
               <a:rPr lang="zh-CN" altLang="en-US" sz="1350" dirty="0"/>
               <a:t>序列一致性</a:t>
             </a:r>
-            <a:endParaRPr lang="zh-CN" altLang="en-US" sz="1350" dirty="0"/>
           </a:p>
         </p:txBody>
       </p:sp>
@@ -40257,7 +40223,6 @@
               <a:rPr lang="zh-CN" altLang="en-US" sz="1350" dirty="0"/>
               <a:t>交换律和结合律</a:t>
             </a:r>
-            <a:endParaRPr lang="zh-CN" altLang="en-US" sz="1350" dirty="0"/>
           </a:p>
         </p:txBody>
       </p:sp>
